--- a/images/Final_Explode_Images_Microscope_Body_smfScope/Numbered_Parts_Microscope_Body.pptx
+++ b/images/Final_Explode_Images_Microscope_Body_smfScope/Numbered_Parts_Microscope_Body.pptx
@@ -243,7 +243,7 @@
           <a:p>
             <a:fld id="{46821315-DDAF-4FF9-B92B-DD20DCFB8CF2}" type="datetimeFigureOut">
               <a:rPr lang="en-GB" smtClean="0"/>
-              <a:t>17/12/2018</a:t>
+              <a:t>30/01/2019</a:t>
             </a:fld>
             <a:endParaRPr lang="en-GB"/>
           </a:p>
@@ -413,7 +413,7 @@
           <a:p>
             <a:fld id="{46821315-DDAF-4FF9-B92B-DD20DCFB8CF2}" type="datetimeFigureOut">
               <a:rPr lang="en-GB" smtClean="0"/>
-              <a:t>17/12/2018</a:t>
+              <a:t>30/01/2019</a:t>
             </a:fld>
             <a:endParaRPr lang="en-GB"/>
           </a:p>
@@ -593,7 +593,7 @@
           <a:p>
             <a:fld id="{46821315-DDAF-4FF9-B92B-DD20DCFB8CF2}" type="datetimeFigureOut">
               <a:rPr lang="en-GB" smtClean="0"/>
-              <a:t>17/12/2018</a:t>
+              <a:t>30/01/2019</a:t>
             </a:fld>
             <a:endParaRPr lang="en-GB"/>
           </a:p>
@@ -763,7 +763,7 @@
           <a:p>
             <a:fld id="{46821315-DDAF-4FF9-B92B-DD20DCFB8CF2}" type="datetimeFigureOut">
               <a:rPr lang="en-GB" smtClean="0"/>
-              <a:t>17/12/2018</a:t>
+              <a:t>30/01/2019</a:t>
             </a:fld>
             <a:endParaRPr lang="en-GB"/>
           </a:p>
@@ -1009,7 +1009,7 @@
           <a:p>
             <a:fld id="{46821315-DDAF-4FF9-B92B-DD20DCFB8CF2}" type="datetimeFigureOut">
               <a:rPr lang="en-GB" smtClean="0"/>
-              <a:t>17/12/2018</a:t>
+              <a:t>30/01/2019</a:t>
             </a:fld>
             <a:endParaRPr lang="en-GB"/>
           </a:p>
@@ -1241,7 +1241,7 @@
           <a:p>
             <a:fld id="{46821315-DDAF-4FF9-B92B-DD20DCFB8CF2}" type="datetimeFigureOut">
               <a:rPr lang="en-GB" smtClean="0"/>
-              <a:t>17/12/2018</a:t>
+              <a:t>30/01/2019</a:t>
             </a:fld>
             <a:endParaRPr lang="en-GB"/>
           </a:p>
@@ -1608,7 +1608,7 @@
           <a:p>
             <a:fld id="{46821315-DDAF-4FF9-B92B-DD20DCFB8CF2}" type="datetimeFigureOut">
               <a:rPr lang="en-GB" smtClean="0"/>
-              <a:t>17/12/2018</a:t>
+              <a:t>30/01/2019</a:t>
             </a:fld>
             <a:endParaRPr lang="en-GB"/>
           </a:p>
@@ -1726,7 +1726,7 @@
           <a:p>
             <a:fld id="{46821315-DDAF-4FF9-B92B-DD20DCFB8CF2}" type="datetimeFigureOut">
               <a:rPr lang="en-GB" smtClean="0"/>
-              <a:t>17/12/2018</a:t>
+              <a:t>30/01/2019</a:t>
             </a:fld>
             <a:endParaRPr lang="en-GB"/>
           </a:p>
@@ -1821,7 +1821,7 @@
           <a:p>
             <a:fld id="{46821315-DDAF-4FF9-B92B-DD20DCFB8CF2}" type="datetimeFigureOut">
               <a:rPr lang="en-GB" smtClean="0"/>
-              <a:t>17/12/2018</a:t>
+              <a:t>30/01/2019</a:t>
             </a:fld>
             <a:endParaRPr lang="en-GB"/>
           </a:p>
@@ -2098,7 +2098,7 @@
           <a:p>
             <a:fld id="{46821315-DDAF-4FF9-B92B-DD20DCFB8CF2}" type="datetimeFigureOut">
               <a:rPr lang="en-GB" smtClean="0"/>
-              <a:t>17/12/2018</a:t>
+              <a:t>30/01/2019</a:t>
             </a:fld>
             <a:endParaRPr lang="en-GB"/>
           </a:p>
@@ -2351,7 +2351,7 @@
           <a:p>
             <a:fld id="{46821315-DDAF-4FF9-B92B-DD20DCFB8CF2}" type="datetimeFigureOut">
               <a:rPr lang="en-GB" smtClean="0"/>
-              <a:t>17/12/2018</a:t>
+              <a:t>30/01/2019</a:t>
             </a:fld>
             <a:endParaRPr lang="en-GB"/>
           </a:p>
@@ -2564,7 +2564,7 @@
           <a:p>
             <a:fld id="{46821315-DDAF-4FF9-B92B-DD20DCFB8CF2}" type="datetimeFigureOut">
               <a:rPr lang="en-GB" smtClean="0"/>
-              <a:t>17/12/2018</a:t>
+              <a:t>30/01/2019</a:t>
             </a:fld>
             <a:endParaRPr lang="en-GB"/>
           </a:p>
@@ -2982,8 +2982,8 @@
         </p:blipFill>
         <p:spPr bwMode="auto">
           <a:xfrm>
-            <a:off x="1670858" y="1022465"/>
-            <a:ext cx="8201950" cy="4961803"/>
+            <a:off x="1117695" y="154683"/>
+            <a:ext cx="6190476" cy="3542857"/>
           </a:xfrm>
           <a:prstGeom prst="rect">
             <a:avLst/>
@@ -3012,8 +3012,8 @@
         </p:nvSpPr>
         <p:spPr>
           <a:xfrm>
-            <a:off x="5555833" y="1156340"/>
-            <a:ext cx="216000" cy="216000"/>
+            <a:off x="4049906" y="250273"/>
+            <a:ext cx="258789" cy="175030"/>
           </a:xfrm>
           <a:prstGeom prst="ellipse">
             <a:avLst/>
@@ -3047,7 +3047,7 @@
           <a:p>
             <a:pPr algn="ctr"/>
             <a:r>
-              <a:rPr lang="en-GB" sz="1000" b="1" dirty="0">
+              <a:rPr lang="en-GB" sz="1050" b="1" dirty="0" smtClean="0">
                 <a:ln w="0"/>
                 <a:solidFill>
                   <a:schemeClr val="tx1"/>
@@ -3060,8 +3060,21 @@
                   </a:outerShdw>
                 </a:effectLst>
               </a:rPr>
-              <a:t>2</a:t>
-            </a:r>
+              <a:t>49</a:t>
+            </a:r>
+            <a:endParaRPr lang="en-GB" sz="1050" b="1" dirty="0">
+              <a:ln w="0"/>
+              <a:solidFill>
+                <a:schemeClr val="tx1"/>
+              </a:solidFill>
+              <a:effectLst>
+                <a:outerShdw blurRad="38100" dist="19050" dir="2700000" algn="tl" rotWithShape="0">
+                  <a:schemeClr val="dk1">
+                    <a:alpha val="40000"/>
+                  </a:schemeClr>
+                </a:outerShdw>
+              </a:effectLst>
+            </a:endParaRPr>
           </a:p>
         </p:txBody>
       </p:sp>
@@ -3079,8 +3092,8 @@
         </p:nvSpPr>
         <p:spPr>
           <a:xfrm>
-            <a:off x="5854176" y="1593451"/>
-            <a:ext cx="216000" cy="216000"/>
+            <a:off x="4275082" y="562382"/>
+            <a:ext cx="258789" cy="175030"/>
           </a:xfrm>
           <a:prstGeom prst="ellipse">
             <a:avLst/>
@@ -3114,7 +3127,7 @@
           <a:p>
             <a:pPr algn="ctr"/>
             <a:r>
-              <a:rPr lang="en-GB" sz="1000" b="1" dirty="0">
+              <a:rPr lang="en-GB" sz="1050" b="1" dirty="0" smtClean="0">
                 <a:ln w="0"/>
                 <a:solidFill>
                   <a:schemeClr val="tx1"/>
@@ -3127,8 +3140,21 @@
                   </a:outerShdw>
                 </a:effectLst>
               </a:rPr>
-              <a:t>3</a:t>
-            </a:r>
+              <a:t>50</a:t>
+            </a:r>
+            <a:endParaRPr lang="en-GB" sz="1050" b="1" dirty="0">
+              <a:ln w="0"/>
+              <a:solidFill>
+                <a:schemeClr val="tx1"/>
+              </a:solidFill>
+              <a:effectLst>
+                <a:outerShdw blurRad="38100" dist="19050" dir="2700000" algn="tl" rotWithShape="0">
+                  <a:schemeClr val="dk1">
+                    <a:alpha val="40000"/>
+                  </a:schemeClr>
+                </a:outerShdw>
+              </a:effectLst>
+            </a:endParaRPr>
           </a:p>
         </p:txBody>
       </p:sp>
@@ -3146,8 +3172,8 @@
         </p:nvSpPr>
         <p:spPr>
           <a:xfrm>
-            <a:off x="5555833" y="2069701"/>
-            <a:ext cx="216000" cy="216000"/>
+            <a:off x="4049906" y="902437"/>
+            <a:ext cx="258789" cy="175030"/>
           </a:xfrm>
           <a:prstGeom prst="ellipse">
             <a:avLst/>
@@ -3181,7 +3207,7 @@
           <a:p>
             <a:pPr algn="ctr"/>
             <a:r>
-              <a:rPr lang="en-GB" sz="1000" b="1" dirty="0">
+              <a:rPr lang="en-GB" sz="1050" b="1" dirty="0" smtClean="0">
                 <a:ln w="0"/>
                 <a:solidFill>
                   <a:schemeClr val="tx1"/>
@@ -3194,8 +3220,21 @@
                   </a:outerShdw>
                 </a:effectLst>
               </a:rPr>
-              <a:t>4</a:t>
-            </a:r>
+              <a:t>51</a:t>
+            </a:r>
+            <a:endParaRPr lang="en-GB" sz="1050" b="1" dirty="0">
+              <a:ln w="0"/>
+              <a:solidFill>
+                <a:schemeClr val="tx1"/>
+              </a:solidFill>
+              <a:effectLst>
+                <a:outerShdw blurRad="38100" dist="19050" dir="2700000" algn="tl" rotWithShape="0">
+                  <a:schemeClr val="dk1">
+                    <a:alpha val="40000"/>
+                  </a:schemeClr>
+                </a:outerShdw>
+              </a:effectLst>
+            </a:endParaRPr>
           </a:p>
         </p:txBody>
       </p:sp>
@@ -3213,8 +3252,8 @@
         </p:nvSpPr>
         <p:spPr>
           <a:xfrm>
-            <a:off x="5555833" y="2412601"/>
-            <a:ext cx="216000" cy="216000"/>
+            <a:off x="4049906" y="1147276"/>
+            <a:ext cx="258789" cy="175030"/>
           </a:xfrm>
           <a:prstGeom prst="ellipse">
             <a:avLst/>
@@ -3248,7 +3287,7 @@
           <a:p>
             <a:pPr algn="ctr"/>
             <a:r>
-              <a:rPr lang="en-GB" sz="1000" b="1" dirty="0">
+              <a:rPr lang="en-GB" sz="1050" b="1" dirty="0" smtClean="0">
                 <a:ln w="0"/>
                 <a:solidFill>
                   <a:schemeClr val="tx1"/>
@@ -3261,8 +3300,21 @@
                   </a:outerShdw>
                 </a:effectLst>
               </a:rPr>
-              <a:t>5</a:t>
-            </a:r>
+              <a:t>52</a:t>
+            </a:r>
+            <a:endParaRPr lang="en-GB" sz="1050" b="1" dirty="0">
+              <a:ln w="0"/>
+              <a:solidFill>
+                <a:schemeClr val="tx1"/>
+              </a:solidFill>
+              <a:effectLst>
+                <a:outerShdw blurRad="38100" dist="19050" dir="2700000" algn="tl" rotWithShape="0">
+                  <a:schemeClr val="dk1">
+                    <a:alpha val="40000"/>
+                  </a:schemeClr>
+                </a:outerShdw>
+              </a:effectLst>
+            </a:endParaRPr>
           </a:p>
         </p:txBody>
       </p:sp>
@@ -3280,8 +3332,8 @@
         </p:nvSpPr>
         <p:spPr>
           <a:xfrm>
-            <a:off x="5663833" y="2941774"/>
-            <a:ext cx="216000" cy="216000"/>
+            <a:off x="4131419" y="1525120"/>
+            <a:ext cx="258789" cy="175030"/>
           </a:xfrm>
           <a:prstGeom prst="ellipse">
             <a:avLst/>
@@ -3315,7 +3367,7 @@
           <a:p>
             <a:pPr algn="ctr"/>
             <a:r>
-              <a:rPr lang="en-GB" sz="1000" b="1" dirty="0">
+              <a:rPr lang="en-GB" sz="1050" b="1" dirty="0" smtClean="0">
                 <a:ln w="0"/>
                 <a:solidFill>
                   <a:schemeClr val="tx1"/>
@@ -3328,8 +3380,21 @@
                   </a:outerShdw>
                 </a:effectLst>
               </a:rPr>
-              <a:t>6</a:t>
-            </a:r>
+              <a:t>53</a:t>
+            </a:r>
+            <a:endParaRPr lang="en-GB" sz="1050" b="1" dirty="0">
+              <a:ln w="0"/>
+              <a:solidFill>
+                <a:schemeClr val="tx1"/>
+              </a:solidFill>
+              <a:effectLst>
+                <a:outerShdw blurRad="38100" dist="19050" dir="2700000" algn="tl" rotWithShape="0">
+                  <a:schemeClr val="dk1">
+                    <a:alpha val="40000"/>
+                  </a:schemeClr>
+                </a:outerShdw>
+              </a:effectLst>
+            </a:endParaRPr>
           </a:p>
         </p:txBody>
       </p:sp>
@@ -3347,8 +3412,8 @@
         </p:nvSpPr>
         <p:spPr>
           <a:xfrm>
-            <a:off x="4660376" y="2526552"/>
-            <a:ext cx="216000" cy="216000"/>
+            <a:off x="3374053" y="1228640"/>
+            <a:ext cx="258789" cy="175030"/>
           </a:xfrm>
           <a:prstGeom prst="ellipse">
             <a:avLst/>
@@ -3382,7 +3447,7 @@
           <a:p>
             <a:pPr algn="ctr"/>
             <a:r>
-              <a:rPr lang="en-GB" sz="1000" b="1" dirty="0">
+              <a:rPr lang="en-GB" sz="1050" b="1" dirty="0" smtClean="0">
                 <a:ln w="0"/>
                 <a:solidFill>
                   <a:schemeClr val="tx1"/>
@@ -3395,8 +3460,21 @@
                   </a:outerShdw>
                 </a:effectLst>
               </a:rPr>
-              <a:t>7</a:t>
-            </a:r>
+              <a:t>54</a:t>
+            </a:r>
+            <a:endParaRPr lang="en-GB" sz="1050" b="1" dirty="0">
+              <a:ln w="0"/>
+              <a:solidFill>
+                <a:schemeClr val="tx1"/>
+              </a:solidFill>
+              <a:effectLst>
+                <a:outerShdw blurRad="38100" dist="19050" dir="2700000" algn="tl" rotWithShape="0">
+                  <a:schemeClr val="dk1">
+                    <a:alpha val="40000"/>
+                  </a:schemeClr>
+                </a:outerShdw>
+              </a:effectLst>
+            </a:endParaRPr>
           </a:p>
         </p:txBody>
       </p:sp>
@@ -3414,8 +3492,8 @@
         </p:nvSpPr>
         <p:spPr>
           <a:xfrm>
-            <a:off x="4749251" y="2941774"/>
-            <a:ext cx="216000" cy="216000"/>
+            <a:off x="3441132" y="1525120"/>
+            <a:ext cx="258789" cy="175030"/>
           </a:xfrm>
           <a:prstGeom prst="ellipse">
             <a:avLst/>
@@ -3449,7 +3527,7 @@
           <a:p>
             <a:pPr algn="ctr"/>
             <a:r>
-              <a:rPr lang="en-GB" sz="1000" b="1" dirty="0" smtClean="0">
+              <a:rPr lang="en-GB" sz="1050" b="1" dirty="0" smtClean="0">
                 <a:ln w="0"/>
                 <a:solidFill>
                   <a:schemeClr val="tx1"/>
@@ -3462,9 +3540,9 @@
                   </a:outerShdw>
                 </a:effectLst>
               </a:rPr>
-              <a:t>8</a:t>
-            </a:r>
-            <a:endParaRPr lang="en-GB" sz="1000" b="1" dirty="0">
+              <a:t>55</a:t>
+            </a:r>
+            <a:endParaRPr lang="en-GB" sz="1050" b="1" dirty="0">
               <a:ln w="0"/>
               <a:solidFill>
                 <a:schemeClr val="tx1"/>
@@ -3494,8 +3572,8 @@
         </p:nvSpPr>
         <p:spPr>
           <a:xfrm>
-            <a:off x="5060483" y="3295440"/>
-            <a:ext cx="216000" cy="216000"/>
+            <a:off x="3676037" y="1777647"/>
+            <a:ext cx="258789" cy="175030"/>
           </a:xfrm>
           <a:prstGeom prst="ellipse">
             <a:avLst/>
@@ -3529,7 +3607,7 @@
           <a:p>
             <a:pPr algn="ctr"/>
             <a:r>
-              <a:rPr lang="en-GB" sz="1000" b="1" dirty="0">
+              <a:rPr lang="en-GB" sz="1050" b="1" dirty="0" smtClean="0">
                 <a:ln w="0"/>
                 <a:solidFill>
                   <a:schemeClr val="tx1"/>
@@ -3542,8 +3620,21 @@
                   </a:outerShdw>
                 </a:effectLst>
               </a:rPr>
-              <a:t>9</a:t>
-            </a:r>
+              <a:t>56</a:t>
+            </a:r>
+            <a:endParaRPr lang="en-GB" sz="1050" b="1" dirty="0">
+              <a:ln w="0"/>
+              <a:solidFill>
+                <a:schemeClr val="tx1"/>
+              </a:solidFill>
+              <a:effectLst>
+                <a:outerShdw blurRad="38100" dist="19050" dir="2700000" algn="tl" rotWithShape="0">
+                  <a:schemeClr val="dk1">
+                    <a:alpha val="40000"/>
+                  </a:schemeClr>
+                </a:outerShdw>
+              </a:effectLst>
+            </a:endParaRPr>
           </a:p>
         </p:txBody>
       </p:sp>
@@ -3561,8 +3652,8 @@
         </p:nvSpPr>
         <p:spPr>
           <a:xfrm>
-            <a:off x="5624952" y="4018737"/>
-            <a:ext cx="216000" cy="216000"/>
+            <a:off x="4102074" y="2294100"/>
+            <a:ext cx="258789" cy="175030"/>
           </a:xfrm>
           <a:prstGeom prst="ellipse">
             <a:avLst/>
@@ -3596,7 +3687,7 @@
           <a:p>
             <a:pPr algn="ctr"/>
             <a:r>
-              <a:rPr lang="en-GB" sz="1000" b="1" dirty="0" smtClean="0">
+              <a:rPr lang="en-GB" sz="1050" b="1" dirty="0" smtClean="0">
                 <a:ln w="0"/>
                 <a:solidFill>
                   <a:schemeClr val="tx1"/>
@@ -3609,9 +3700,9 @@
                   </a:outerShdw>
                 </a:effectLst>
               </a:rPr>
-              <a:t>10</a:t>
-            </a:r>
-            <a:endParaRPr lang="en-GB" sz="1000" b="1" dirty="0">
+              <a:t>57</a:t>
+            </a:r>
+            <a:endParaRPr lang="en-GB" sz="1050" b="1" dirty="0">
               <a:ln w="0"/>
               <a:solidFill>
                 <a:schemeClr val="tx1"/>
@@ -3641,8 +3732,8 @@
         </p:nvSpPr>
         <p:spPr>
           <a:xfrm>
-            <a:off x="5663833" y="4355021"/>
-            <a:ext cx="216000" cy="216000"/>
+            <a:off x="4131419" y="2534215"/>
+            <a:ext cx="258789" cy="175030"/>
           </a:xfrm>
           <a:prstGeom prst="ellipse">
             <a:avLst/>
@@ -3676,7 +3767,7 @@
           <a:p>
             <a:pPr algn="ctr"/>
             <a:r>
-              <a:rPr lang="en-GB" sz="1000" b="1" dirty="0" smtClean="0">
+              <a:rPr lang="en-GB" sz="1050" b="1" dirty="0" smtClean="0">
                 <a:ln w="0"/>
                 <a:solidFill>
                   <a:schemeClr val="tx1"/>
@@ -3689,9 +3780,9 @@
                   </a:outerShdw>
                 </a:effectLst>
               </a:rPr>
-              <a:t>11</a:t>
-            </a:r>
-            <a:endParaRPr lang="en-GB" sz="1000" b="1" dirty="0">
+              <a:t>58</a:t>
+            </a:r>
+            <a:endParaRPr lang="en-GB" sz="1050" b="1" dirty="0">
               <a:ln w="0"/>
               <a:solidFill>
                 <a:schemeClr val="tx1"/>
@@ -3721,8 +3812,8 @@
         </p:nvSpPr>
         <p:spPr>
           <a:xfrm>
-            <a:off x="2958576" y="4069951"/>
-            <a:ext cx="216000" cy="216000"/>
+            <a:off x="2089609" y="2330668"/>
+            <a:ext cx="258789" cy="175030"/>
           </a:xfrm>
           <a:prstGeom prst="ellipse">
             <a:avLst/>
@@ -3756,7 +3847,7 @@
           <a:p>
             <a:pPr algn="ctr"/>
             <a:r>
-              <a:rPr lang="en-GB" sz="1000" b="1" dirty="0" smtClean="0">
+              <a:rPr lang="en-GB" sz="1050" b="1" dirty="0" smtClean="0">
                 <a:ln w="0"/>
                 <a:solidFill>
                   <a:schemeClr val="tx1"/>
@@ -3769,9 +3860,9 @@
                   </a:outerShdw>
                 </a:effectLst>
               </a:rPr>
-              <a:t>17</a:t>
-            </a:r>
-            <a:endParaRPr lang="en-GB" sz="1000" b="1" dirty="0">
+              <a:t>64</a:t>
+            </a:r>
+            <a:endParaRPr lang="en-GB" sz="1050" b="1" dirty="0">
               <a:ln w="0"/>
               <a:solidFill>
                 <a:schemeClr val="tx1"/>
@@ -3801,8 +3892,8 @@
         </p:nvSpPr>
         <p:spPr>
           <a:xfrm>
-            <a:off x="4285576" y="3470947"/>
-            <a:ext cx="216000" cy="216000"/>
+            <a:off x="3091171" y="1902963"/>
+            <a:ext cx="258789" cy="175030"/>
           </a:xfrm>
           <a:prstGeom prst="ellipse">
             <a:avLst/>
@@ -3836,7 +3927,7 @@
           <a:p>
             <a:pPr algn="ctr"/>
             <a:r>
-              <a:rPr lang="en-GB" sz="1000" b="1" dirty="0" smtClean="0">
+              <a:rPr lang="en-GB" sz="1050" b="1" dirty="0" smtClean="0">
                 <a:ln w="0"/>
                 <a:solidFill>
                   <a:schemeClr val="tx1"/>
@@ -3849,9 +3940,9 @@
                   </a:outerShdw>
                 </a:effectLst>
               </a:rPr>
-              <a:t>12</a:t>
-            </a:r>
-            <a:endParaRPr lang="en-GB" sz="1000" b="1" dirty="0">
+              <a:t>59</a:t>
+            </a:r>
+            <a:endParaRPr lang="en-GB" sz="1050" b="1" dirty="0">
               <a:ln w="0"/>
               <a:solidFill>
                 <a:schemeClr val="tx1"/>
@@ -3881,8 +3972,8 @@
         </p:nvSpPr>
         <p:spPr>
           <a:xfrm>
-            <a:off x="4019082" y="3168601"/>
-            <a:ext cx="216000" cy="216000"/>
+            <a:off x="2890033" y="1687080"/>
+            <a:ext cx="258789" cy="175030"/>
           </a:xfrm>
           <a:prstGeom prst="ellipse">
             <a:avLst/>
@@ -3916,7 +4007,7 @@
           <a:p>
             <a:pPr algn="ctr"/>
             <a:r>
-              <a:rPr lang="en-GB" sz="1000" b="1" dirty="0" smtClean="0">
+              <a:rPr lang="en-GB" sz="1050" b="1" dirty="0" smtClean="0">
                 <a:ln w="0"/>
                 <a:solidFill>
                   <a:schemeClr val="tx1"/>
@@ -3929,9 +4020,9 @@
                   </a:outerShdw>
                 </a:effectLst>
               </a:rPr>
-              <a:t>13</a:t>
-            </a:r>
-            <a:endParaRPr lang="en-GB" sz="1000" b="1" dirty="0">
+              <a:t>60</a:t>
+            </a:r>
+            <a:endParaRPr lang="en-GB" sz="1050" b="1" dirty="0">
               <a:ln w="0"/>
               <a:solidFill>
                 <a:schemeClr val="tx1"/>
@@ -3961,8 +4052,8 @@
         </p:nvSpPr>
         <p:spPr>
           <a:xfrm>
-            <a:off x="3488399" y="2956865"/>
-            <a:ext cx="216000" cy="216000"/>
+            <a:off x="2489496" y="1535895"/>
+            <a:ext cx="258789" cy="175030"/>
           </a:xfrm>
           <a:prstGeom prst="ellipse">
             <a:avLst/>
@@ -3996,7 +4087,7 @@
           <a:p>
             <a:pPr algn="ctr"/>
             <a:r>
-              <a:rPr lang="en-GB" sz="1000" b="1" dirty="0" smtClean="0">
+              <a:rPr lang="en-GB" sz="1050" b="1" dirty="0" smtClean="0">
                 <a:ln w="0"/>
                 <a:solidFill>
                   <a:schemeClr val="tx1"/>
@@ -4009,9 +4100,9 @@
                   </a:outerShdw>
                 </a:effectLst>
               </a:rPr>
-              <a:t>14</a:t>
-            </a:r>
-            <a:endParaRPr lang="en-GB" sz="1000" b="1" dirty="0">
+              <a:t>61</a:t>
+            </a:r>
+            <a:endParaRPr lang="en-GB" sz="1050" b="1" dirty="0">
               <a:ln w="0"/>
               <a:solidFill>
                 <a:schemeClr val="tx1"/>
@@ -4041,8 +4132,8 @@
         </p:nvSpPr>
         <p:spPr>
           <a:xfrm>
-            <a:off x="3282576" y="2844601"/>
-            <a:ext cx="216000" cy="216000"/>
+            <a:off x="2334150" y="1455736"/>
+            <a:ext cx="258789" cy="175030"/>
           </a:xfrm>
           <a:prstGeom prst="ellipse">
             <a:avLst/>
@@ -4076,7 +4167,7 @@
           <a:p>
             <a:pPr algn="ctr"/>
             <a:r>
-              <a:rPr lang="en-GB" sz="1000" b="1" dirty="0" smtClean="0">
+              <a:rPr lang="en-GB" sz="1050" b="1" dirty="0" smtClean="0">
                 <a:ln w="0"/>
                 <a:solidFill>
                   <a:schemeClr val="tx1"/>
@@ -4089,9 +4180,9 @@
                   </a:outerShdw>
                 </a:effectLst>
               </a:rPr>
-              <a:t>15</a:t>
-            </a:r>
-            <a:endParaRPr lang="en-GB" sz="1000" b="1" dirty="0">
+              <a:t>62</a:t>
+            </a:r>
+            <a:endParaRPr lang="en-GB" sz="1050" b="1" dirty="0">
               <a:ln w="0"/>
               <a:solidFill>
                 <a:schemeClr val="tx1"/>
@@ -4121,8 +4212,8 @@
         </p:nvSpPr>
         <p:spPr>
           <a:xfrm>
-            <a:off x="3125046" y="2628601"/>
-            <a:ext cx="216000" cy="216000"/>
+            <a:off x="2215253" y="1301506"/>
+            <a:ext cx="258789" cy="175030"/>
           </a:xfrm>
           <a:prstGeom prst="ellipse">
             <a:avLst/>
@@ -4156,7 +4247,7 @@
           <a:p>
             <a:pPr algn="ctr"/>
             <a:r>
-              <a:rPr lang="en-GB" sz="1000" b="1" dirty="0" smtClean="0">
+              <a:rPr lang="en-GB" sz="1050" b="1" dirty="0" smtClean="0">
                 <a:ln w="0"/>
                 <a:solidFill>
                   <a:schemeClr val="tx1"/>
@@ -4169,9 +4260,9 @@
                   </a:outerShdw>
                 </a:effectLst>
               </a:rPr>
-              <a:t>16</a:t>
-            </a:r>
-            <a:endParaRPr lang="en-GB" sz="1000" b="1" dirty="0">
+              <a:t>63</a:t>
+            </a:r>
+            <a:endParaRPr lang="en-GB" sz="1050" b="1" dirty="0">
               <a:ln w="0"/>
               <a:solidFill>
                 <a:schemeClr val="tx1"/>
@@ -4201,8 +4292,8 @@
         </p:nvSpPr>
         <p:spPr>
           <a:xfrm>
-            <a:off x="3498326" y="4387351"/>
-            <a:ext cx="216000" cy="216000"/>
+            <a:off x="2496989" y="2557300"/>
+            <a:ext cx="258789" cy="175030"/>
           </a:xfrm>
           <a:prstGeom prst="ellipse">
             <a:avLst/>
@@ -4236,7 +4327,7 @@
           <a:p>
             <a:pPr algn="ctr"/>
             <a:r>
-              <a:rPr lang="en-GB" sz="1000" b="1" smtClean="0">
+              <a:rPr lang="en-GB" sz="1050" b="1" dirty="0" smtClean="0">
                 <a:ln w="0"/>
                 <a:solidFill>
                   <a:schemeClr val="tx1"/>
@@ -4249,9 +4340,9 @@
                   </a:outerShdw>
                 </a:effectLst>
               </a:rPr>
-              <a:t>18</a:t>
-            </a:r>
-            <a:endParaRPr lang="en-GB" sz="1000" b="1" dirty="0">
+              <a:t>65</a:t>
+            </a:r>
+            <a:endParaRPr lang="en-GB" sz="1050" b="1" dirty="0">
               <a:ln w="0"/>
               <a:solidFill>
                 <a:schemeClr val="tx1"/>
@@ -4281,8 +4372,8 @@
         </p:nvSpPr>
         <p:spPr>
           <a:xfrm>
-            <a:off x="4533251" y="3616903"/>
-            <a:ext cx="216000" cy="216000"/>
+            <a:off x="3278105" y="2007180"/>
+            <a:ext cx="258789" cy="175030"/>
           </a:xfrm>
           <a:prstGeom prst="ellipse">
             <a:avLst/>
@@ -4316,7 +4407,7 @@
           <a:p>
             <a:pPr algn="ctr"/>
             <a:r>
-              <a:rPr lang="en-GB" sz="1000" b="1" dirty="0">
+              <a:rPr lang="en-GB" sz="1050" b="1" dirty="0" smtClean="0">
                 <a:ln w="0"/>
                 <a:solidFill>
                   <a:schemeClr val="tx1"/>
@@ -4329,8 +4420,21 @@
                   </a:outerShdw>
                 </a:effectLst>
               </a:rPr>
-              <a:t>c</a:t>
-            </a:r>
+              <a:t>L4</a:t>
+            </a:r>
+            <a:endParaRPr lang="en-GB" sz="1050" b="1" dirty="0">
+              <a:ln w="0"/>
+              <a:solidFill>
+                <a:schemeClr val="tx1"/>
+              </a:solidFill>
+              <a:effectLst>
+                <a:outerShdw blurRad="38100" dist="19050" dir="2700000" algn="tl" rotWithShape="0">
+                  <a:schemeClr val="dk1">
+                    <a:alpha val="40000"/>
+                  </a:schemeClr>
+                </a:outerShdw>
+              </a:effectLst>
+            </a:endParaRPr>
           </a:p>
         </p:txBody>
       </p:sp>
@@ -4348,8 +4452,8 @@
         </p:nvSpPr>
         <p:spPr>
           <a:xfrm>
-            <a:off x="5491809" y="4741532"/>
-            <a:ext cx="216000" cy="216000"/>
+            <a:off x="4001582" y="2810193"/>
+            <a:ext cx="335497" cy="148821"/>
           </a:xfrm>
           <a:prstGeom prst="ellipse">
             <a:avLst/>
@@ -4383,7 +4487,7 @@
           <a:p>
             <a:pPr algn="ctr"/>
             <a:r>
-              <a:rPr lang="en-GB" sz="1000" b="1" dirty="0">
+              <a:rPr lang="en-GB" sz="1050" b="1" dirty="0" smtClean="0">
                 <a:ln w="0"/>
                 <a:solidFill>
                   <a:schemeClr val="tx1"/>
@@ -4396,8 +4500,21 @@
                   </a:outerShdw>
                 </a:effectLst>
               </a:rPr>
-              <a:t>b</a:t>
-            </a:r>
+              <a:t>M3</a:t>
+            </a:r>
+            <a:endParaRPr lang="en-GB" sz="1050" b="1" dirty="0">
+              <a:ln w="0"/>
+              <a:solidFill>
+                <a:schemeClr val="tx1"/>
+              </a:solidFill>
+              <a:effectLst>
+                <a:outerShdw blurRad="38100" dist="19050" dir="2700000" algn="tl" rotWithShape="0">
+                  <a:schemeClr val="dk1">
+                    <a:alpha val="40000"/>
+                  </a:schemeClr>
+                </a:outerShdw>
+              </a:effectLst>
+            </a:endParaRPr>
           </a:p>
         </p:txBody>
       </p:sp>
@@ -4415,8 +4532,8 @@
         </p:nvSpPr>
         <p:spPr>
           <a:xfrm>
-            <a:off x="5555833" y="3470947"/>
-            <a:ext cx="216000" cy="216000"/>
+            <a:off x="4049905" y="1902963"/>
+            <a:ext cx="472391" cy="156896"/>
           </a:xfrm>
           <a:prstGeom prst="ellipse">
             <a:avLst/>
@@ -4450,7 +4567,7 @@
           <a:p>
             <a:pPr algn="ctr"/>
             <a:r>
-              <a:rPr lang="en-GB" sz="1000" b="1" dirty="0">
+              <a:rPr lang="en-GB" sz="1050" b="1" dirty="0" smtClean="0">
                 <a:ln w="0"/>
                 <a:solidFill>
                   <a:schemeClr val="tx1"/>
@@ -4463,8 +4580,21 @@
                   </a:outerShdw>
                 </a:effectLst>
               </a:rPr>
-              <a:t>a</a:t>
-            </a:r>
+              <a:t>DM1</a:t>
+            </a:r>
+            <a:endParaRPr lang="en-GB" sz="1050" b="1" dirty="0">
+              <a:ln w="0"/>
+              <a:solidFill>
+                <a:schemeClr val="tx1"/>
+              </a:solidFill>
+              <a:effectLst>
+                <a:outerShdw blurRad="38100" dist="19050" dir="2700000" algn="tl" rotWithShape="0">
+                  <a:schemeClr val="dk1">
+                    <a:alpha val="40000"/>
+                  </a:schemeClr>
+                </a:outerShdw>
+              </a:effectLst>
+            </a:endParaRPr>
           </a:p>
         </p:txBody>
       </p:sp>
@@ -4482,8 +4612,8 @@
         </p:nvSpPr>
         <p:spPr>
           <a:xfrm>
-            <a:off x="8075328" y="4171351"/>
-            <a:ext cx="216000" cy="216000"/>
+            <a:off x="5951511" y="2403070"/>
+            <a:ext cx="258789" cy="175030"/>
           </a:xfrm>
           <a:prstGeom prst="ellipse">
             <a:avLst/>
@@ -4517,7 +4647,7 @@
           <a:p>
             <a:pPr algn="ctr"/>
             <a:r>
-              <a:rPr lang="en-GB" sz="1000" b="1" dirty="0">
+              <a:rPr lang="en-GB" sz="1050" b="1" dirty="0" smtClean="0">
                 <a:ln w="0"/>
                 <a:solidFill>
                   <a:schemeClr val="tx1"/>
@@ -4530,7 +4660,7 @@
                   </a:outerShdw>
                 </a:effectLst>
               </a:rPr>
-              <a:t>1</a:t>
+              <a:t>48</a:t>
             </a:r>
           </a:p>
         </p:txBody>
@@ -4549,8 +4679,8 @@
         </p:nvSpPr>
         <p:spPr>
           <a:xfrm>
-            <a:off x="3705259" y="3069129"/>
-            <a:ext cx="216000" cy="216000"/>
+            <a:off x="2653173" y="1616055"/>
+            <a:ext cx="258789" cy="175030"/>
           </a:xfrm>
           <a:prstGeom prst="ellipse">
             <a:avLst/>
@@ -4584,7 +4714,7 @@
           <a:p>
             <a:pPr algn="ctr"/>
             <a:r>
-              <a:rPr lang="en-GB" sz="1000" b="1" dirty="0">
+              <a:rPr lang="en-GB" sz="1050" b="1" dirty="0" smtClean="0">
                 <a:ln w="0"/>
                 <a:solidFill>
                   <a:schemeClr val="tx1"/>
@@ -4597,9 +4727,9 @@
                   </a:outerShdw>
                 </a:effectLst>
               </a:rPr>
-              <a:t>d</a:t>
-            </a:r>
-            <a:endParaRPr lang="en-GB" sz="1000" b="1" dirty="0">
+              <a:t>P1</a:t>
+            </a:r>
+            <a:endParaRPr lang="en-GB" sz="1050" b="1" dirty="0">
               <a:ln w="0"/>
               <a:solidFill>
                 <a:schemeClr val="tx1"/>
